--- a/orga/milestone_presentations/MP2_final.pptx
+++ b/orga/milestone_presentations/MP2_final.pptx
@@ -10,8 +10,8 @@
   <p:sldIdLst>
     <p:sldId id="256" r:id="rId2"/>
     <p:sldId id="257" r:id="rId3"/>
-    <p:sldId id="258" r:id="rId4"/>
-    <p:sldId id="286" r:id="rId5"/>
+    <p:sldId id="286" r:id="rId4"/>
+    <p:sldId id="287" r:id="rId5"/>
     <p:sldId id="259" r:id="rId6"/>
     <p:sldId id="260" r:id="rId7"/>
     <p:sldId id="264" r:id="rId8"/>
@@ -21241,7 +21241,7 @@
     </p:spTree>
     <p:extLst>
       <p:ext uri="{BB962C8B-B14F-4D97-AF65-F5344CB8AC3E}">
-        <p14:creationId xmlns:p14="http://schemas.microsoft.com/office/powerpoint/2010/main" val="2469346824"/>
+        <p14:creationId xmlns:p14="http://schemas.microsoft.com/office/powerpoint/2010/main" val="3539950507"/>
       </p:ext>
     </p:extLst>
   </p:cSld>
@@ -21570,6 +21570,54 @@
               </a:rPr>
               <a:t>environment</a:t>
             </a:r>
+            <a:r>
+              <a:rPr lang="de-DE" dirty="0">
+                <a:latin typeface="Noto Sans" panose="020B0502040504020204"/>
+              </a:rPr>
+              <a:t> </a:t>
+            </a:r>
+            <a:r>
+              <a:rPr lang="de-DE" dirty="0" err="1">
+                <a:latin typeface="Noto Sans" panose="020B0502040504020204"/>
+              </a:rPr>
+              <a:t>to</a:t>
+            </a:r>
+            <a:r>
+              <a:rPr lang="de-DE" dirty="0">
+                <a:latin typeface="Noto Sans" panose="020B0502040504020204"/>
+              </a:rPr>
+              <a:t> </a:t>
+            </a:r>
+            <a:r>
+              <a:rPr lang="de-DE" dirty="0" err="1">
+                <a:latin typeface="Noto Sans" panose="020B0502040504020204"/>
+              </a:rPr>
+              <a:t>test</a:t>
+            </a:r>
+            <a:r>
+              <a:rPr lang="de-DE" dirty="0">
+                <a:latin typeface="Noto Sans" panose="020B0502040504020204"/>
+              </a:rPr>
+              <a:t> </a:t>
+            </a:r>
+            <a:r>
+              <a:rPr lang="de-DE" dirty="0" err="1">
+                <a:latin typeface="Noto Sans" panose="020B0502040504020204"/>
+              </a:rPr>
+              <a:t>reward</a:t>
+            </a:r>
+            <a:r>
+              <a:rPr lang="de-DE" dirty="0">
+                <a:latin typeface="Noto Sans" panose="020B0502040504020204"/>
+              </a:rPr>
+              <a:t> </a:t>
+            </a:r>
+            <a:r>
+              <a:rPr lang="de-DE" dirty="0" err="1">
+                <a:latin typeface="Noto Sans" panose="020B0502040504020204"/>
+              </a:rPr>
+              <a:t>functions</a:t>
+            </a:r>
             <a:endParaRPr lang="de-DE" dirty="0">
               <a:latin typeface="Noto Sans" panose="020B0502040504020204"/>
             </a:endParaRPr>
@@ -21694,53 +21742,8 @@
               <a:rPr lang="de-DE" dirty="0">
                 <a:latin typeface="Noto Sans" panose="020B0502040504020204"/>
               </a:rPr>
-              <a:t> Baselines </a:t>
-            </a:r>
-            <a:r>
-              <a:rPr lang="de-DE" dirty="0" err="1">
-                <a:latin typeface="Noto Sans" panose="020B0502040504020204"/>
-              </a:rPr>
-              <a:t>to</a:t>
-            </a:r>
-            <a:r>
-              <a:rPr lang="de-DE" dirty="0">
-                <a:latin typeface="Noto Sans" panose="020B0502040504020204"/>
-              </a:rPr>
-              <a:t> </a:t>
-            </a:r>
-            <a:r>
-              <a:rPr lang="de-DE" dirty="0" err="1">
-                <a:latin typeface="Noto Sans" panose="020B0502040504020204"/>
-              </a:rPr>
-              <a:t>test</a:t>
-            </a:r>
-            <a:r>
-              <a:rPr lang="de-DE" dirty="0">
-                <a:latin typeface="Noto Sans" panose="020B0502040504020204"/>
-              </a:rPr>
-              <a:t> </a:t>
-            </a:r>
-            <a:r>
-              <a:rPr lang="de-DE" dirty="0" err="1">
-                <a:latin typeface="Noto Sans" panose="020B0502040504020204"/>
-              </a:rPr>
-              <a:t>reward</a:t>
-            </a:r>
-            <a:r>
-              <a:rPr lang="de-DE" dirty="0">
-                <a:latin typeface="Noto Sans" panose="020B0502040504020204"/>
-              </a:rPr>
-              <a:t> </a:t>
-            </a:r>
-            <a:r>
-              <a:rPr lang="de-DE" dirty="0" err="1">
-                <a:latin typeface="Noto Sans" panose="020B0502040504020204"/>
-              </a:rPr>
-              <a:t>functions</a:t>
-            </a:r>
-            <a:endParaRPr lang="de-DE" dirty="0">
-              <a:latin typeface="Noto Sans" panose="020B0502040504020204"/>
-            </a:endParaRPr>
+              <a:t> Baselines</a:t>
+            </a:r>
           </a:p>
           <a:p>
             <a:endParaRPr lang="de-DE" dirty="0"/>
@@ -21905,10 +21908,10 @@
       </p:pic>
       <p:pic>
         <p:nvPicPr>
-          <p:cNvPr id="23" name="Grafik 22" descr="Harvey Balls 100%">
+          <p:cNvPr id="12" name="Grafik 11" descr="Harvey Balls 50%">
             <a:extLst>
               <a:ext uri="{FF2B5EF4-FFF2-40B4-BE49-F238E27FC236}">
-                <a16:creationId xmlns:a16="http://schemas.microsoft.com/office/drawing/2014/main" id="{8537BD79-944F-4BDF-89E3-FEB5E8747AAB}"/>
+                <a16:creationId xmlns:a16="http://schemas.microsoft.com/office/drawing/2014/main" id="{F3E07B42-8147-45AF-BCD9-1B4B0BBCC9CD}"/>
               </a:ext>
             </a:extLst>
           </p:cNvPr>
@@ -21918,13 +21921,13 @@
           <p:nvPr/>
         </p:nvPicPr>
         <p:blipFill>
-          <a:blip r:embed="rId2">
+          <a:blip r:embed="rId4">
             <a:extLst>
               <a:ext uri="{28A0092B-C50C-407E-A947-70E740481C1C}">
                 <a14:useLocalDpi xmlns:a14="http://schemas.microsoft.com/office/drawing/2010/main" val="0"/>
               </a:ext>
               <a:ext uri="{96DAC541-7B7A-43D3-8B79-37D633B846F1}">
-                <asvg:svgBlip xmlns:asvg="http://schemas.microsoft.com/office/drawing/2016/SVG/main" r:embed="rId3"/>
+                <asvg:svgBlip xmlns:asvg="http://schemas.microsoft.com/office/drawing/2016/SVG/main" r:embed="rId5"/>
               </a:ext>
             </a:extLst>
           </a:blip>
@@ -21934,7 +21937,7 @@
         </p:blipFill>
         <p:spPr>
           <a:xfrm>
-            <a:off x="976561" y="3672000"/>
+            <a:off x="976561" y="3951581"/>
             <a:ext cx="279583" cy="279583"/>
           </a:xfrm>
           <a:prstGeom prst="rect">
@@ -21944,10 +21947,10 @@
       </p:pic>
       <p:pic>
         <p:nvPicPr>
-          <p:cNvPr id="24" name="Grafik 23" descr="Harvey Balls 95%">
+          <p:cNvPr id="14" name="Grafik 13" descr="Harvey Balls 0%">
             <a:extLst>
               <a:ext uri="{FF2B5EF4-FFF2-40B4-BE49-F238E27FC236}">
-                <a16:creationId xmlns:a16="http://schemas.microsoft.com/office/drawing/2014/main" id="{1489D605-10D2-490C-BC76-CCA509CFA958}"/>
+                <a16:creationId xmlns:a16="http://schemas.microsoft.com/office/drawing/2014/main" id="{988B2128-23F0-42F8-9DF0-6CF62A53180B}"/>
               </a:ext>
             </a:extLst>
           </p:cNvPr>
@@ -21957,13 +21960,13 @@
           <p:nvPr/>
         </p:nvPicPr>
         <p:blipFill>
-          <a:blip r:embed="rId6">
+          <a:blip r:embed="rId8">
             <a:extLst>
               <a:ext uri="{28A0092B-C50C-407E-A947-70E740481C1C}">
                 <a14:useLocalDpi xmlns:a14="http://schemas.microsoft.com/office/drawing/2010/main" val="0"/>
               </a:ext>
               <a:ext uri="{96DAC541-7B7A-43D3-8B79-37D633B846F1}">
-                <asvg:svgBlip xmlns:asvg="http://schemas.microsoft.com/office/drawing/2016/SVG/main" r:embed="rId7"/>
+                <asvg:svgBlip xmlns:asvg="http://schemas.microsoft.com/office/drawing/2016/SVG/main" r:embed="rId9"/>
               </a:ext>
             </a:extLst>
           </a:blip>
@@ -21973,8 +21976,8 @@
         </p:blipFill>
         <p:spPr>
           <a:xfrm>
-            <a:off x="976561" y="3951583"/>
-            <a:ext cx="279583" cy="279583"/>
+            <a:off x="972680" y="4227281"/>
+            <a:ext cx="283464" cy="283464"/>
           </a:xfrm>
           <a:prstGeom prst="rect">
             <a:avLst/>
@@ -21983,10 +21986,10 @@
       </p:pic>
       <p:pic>
         <p:nvPicPr>
-          <p:cNvPr id="25" name="Grafik 24" descr="Harvey Balls 50%">
+          <p:cNvPr id="6" name="Grafik 5" descr="Harvey Balls 75%">
             <a:extLst>
               <a:ext uri="{FF2B5EF4-FFF2-40B4-BE49-F238E27FC236}">
-                <a16:creationId xmlns:a16="http://schemas.microsoft.com/office/drawing/2014/main" id="{C2B80ED4-14E9-436F-A97D-2FD6360DB039}"/>
+                <a16:creationId xmlns:a16="http://schemas.microsoft.com/office/drawing/2014/main" id="{284B1FE3-633E-4213-AA3B-CAEF1EBC8C28}"/>
               </a:ext>
             </a:extLst>
           </p:cNvPr>
@@ -21996,13 +21999,13 @@
           <p:nvPr/>
         </p:nvPicPr>
         <p:blipFill>
-          <a:blip r:embed="rId4">
+          <a:blip r:embed="rId10">
             <a:extLst>
               <a:ext uri="{28A0092B-C50C-407E-A947-70E740481C1C}">
                 <a14:useLocalDpi xmlns:a14="http://schemas.microsoft.com/office/drawing/2010/main" val="0"/>
               </a:ext>
               <a:ext uri="{96DAC541-7B7A-43D3-8B79-37D633B846F1}">
-                <asvg:svgBlip xmlns:asvg="http://schemas.microsoft.com/office/drawing/2016/SVG/main" r:embed="rId5"/>
+                <asvg:svgBlip xmlns:asvg="http://schemas.microsoft.com/office/drawing/2016/SVG/main" r:embed="rId11"/>
               </a:ext>
             </a:extLst>
           </a:blip>
@@ -22012,8 +22015,8 @@
         </p:blipFill>
         <p:spPr>
           <a:xfrm>
-            <a:off x="963473" y="4255359"/>
-            <a:ext cx="279583" cy="279583"/>
+            <a:off x="972680" y="3639922"/>
+            <a:ext cx="283464" cy="283464"/>
           </a:xfrm>
           <a:prstGeom prst="rect">
             <a:avLst/>
@@ -22023,7 +22026,7 @@
     </p:spTree>
     <p:extLst>
       <p:ext uri="{BB962C8B-B14F-4D97-AF65-F5344CB8AC3E}">
-        <p14:creationId xmlns:p14="http://schemas.microsoft.com/office/powerpoint/2010/main" val="3539950507"/>
+        <p14:creationId xmlns:p14="http://schemas.microsoft.com/office/powerpoint/2010/main" val="1443439722"/>
       </p:ext>
     </p:extLst>
   </p:cSld>
